--- a/National Park Visits.pptx
+++ b/National Park Visits.pptx
@@ -108,14 +108,6 @@
     </a:lvl9pPr>
   </p:defaultTextStyle>
 </p:presentation>
-</file>
-
-<file path=ppt/revisionInfo.xml><?xml version="1.0" encoding="utf-8"?>
-<p1510:revInfo xmlns:a="http://schemas.openxmlformats.org/drawingml/2006/main" xmlns:r="http://schemas.openxmlformats.org/officeDocument/2006/relationships" xmlns:p1510="http://schemas.microsoft.com/office/powerpoint/2015/10/main">
-  <p1510:revLst>
-    <p1510:client id="{FDAFADC5-18A5-464C-9D0B-400AC74FAA71}" v="3" dt="2022-12-16T00:21:43.136"/>
-  </p1510:revLst>
-</p1510:revInfo>
 </file>
 
 <file path=ppt/slideLayouts/slideLayout1.xml><?xml version="1.0" encoding="utf-8"?>
@@ -4047,54 +4039,63 @@
           <a:lstStyle/>
           <a:p>
             <a:r>
-              <a:rPr lang="en-US" sz="1700"/>
+              <a:rPr lang="en-US" sz="2000" dirty="0"/>
               <a:t>Recent graduate from University of Central Florida</a:t>
             </a:r>
           </a:p>
           <a:p>
             <a:r>
-              <a:rPr lang="en-US" sz="1700"/>
+              <a:rPr lang="en-US" sz="2000" dirty="0"/>
               <a:t>Graduated with a B.S. in Computer Science</a:t>
             </a:r>
           </a:p>
           <a:p>
             <a:r>
-              <a:rPr lang="en-US" sz="1700"/>
+              <a:rPr lang="en-US" sz="2000" dirty="0"/>
               <a:t>Elective classes focused primarily on AI: Machine Learning Algorithms, Deep Learning, and Image Recognition.</a:t>
             </a:r>
           </a:p>
           <a:p>
             <a:r>
-              <a:rPr lang="en-US" sz="1700"/>
-              <a:t>Projects worked on In school include:</a:t>
+              <a:rPr lang="en-US" sz="2000" dirty="0"/>
+              <a:t>Projects worked on in school include:</a:t>
             </a:r>
           </a:p>
           <a:p>
             <a:pPr lvl="1"/>
             <a:r>
-              <a:rPr lang="en-US" sz="1700"/>
+              <a:rPr lang="en-US" sz="2000" dirty="0"/>
               <a:t>Compiler VM written in C for PL/0 (A Simple Version of Pascal intended for educational purposes)</a:t>
             </a:r>
           </a:p>
           <a:p>
             <a:pPr lvl="1"/>
             <a:r>
-              <a:rPr lang="en-US" sz="1700"/>
-              <a:t>A VM also written in C that ran MIPS from a .txt file</a:t>
+              <a:rPr lang="en-US" sz="2000" dirty="0"/>
+              <a:t>A VM written in C that ran MIPS from a .txt file</a:t>
             </a:r>
           </a:p>
           <a:p>
             <a:pPr lvl="1"/>
             <a:r>
-              <a:rPr lang="en-US" sz="1700"/>
-              <a:t>Senior Design Capstone Project for the website www.shoppingstoies.org that took 18</a:t>
-            </a:r>
-            <a:r>
-              <a:rPr lang="en-US" sz="1700" baseline="30000"/>
+              <a:rPr lang="en-US" sz="2000" dirty="0"/>
+              <a:t>Senior Design Capstone Project:</a:t>
+            </a:r>
+          </a:p>
+          <a:p>
+            <a:pPr marL="914400" lvl="2" indent="0">
+              <a:buNone/>
+            </a:pPr>
+            <a:r>
+              <a:rPr lang="en-US" dirty="0"/>
+              <a:t>www.shoppingstoies.org that took 18</a:t>
+            </a:r>
+            <a:r>
+              <a:rPr lang="en-US" baseline="30000" dirty="0"/>
               <a:t>th</a:t>
             </a:r>
             <a:r>
-              <a:rPr lang="en-US" sz="1700"/>
+              <a:rPr lang="en-US" dirty="0"/>
               <a:t> century store ledgers and translated the information into a NoSQL database.</a:t>
             </a:r>
           </a:p>
@@ -4461,20 +4462,20 @@
           <a:lstStyle/>
           <a:p>
             <a:r>
-              <a:rPr lang="en-US" dirty="0"/>
+              <a:rPr lang="en-US" sz="2000" dirty="0"/>
               <a:t>This website is intended as a simple Social Media/Blog website.</a:t>
             </a:r>
           </a:p>
           <a:p>
             <a:r>
-              <a:rPr lang="en-US" dirty="0"/>
-              <a:t>This allows users to post about their visits to the United States National Parks.</a:t>
-            </a:r>
-          </a:p>
-          <a:p>
-            <a:r>
-              <a:rPr lang="en-US" dirty="0"/>
-              <a:t>It also allows users to review visits by others to the different national parks to gain information and ideas for their own visits in the future.</a:t>
+              <a:rPr lang="en-US" sz="2000" dirty="0"/>
+              <a:t>Allows users to post about their visits to the United States National Parks.</a:t>
+            </a:r>
+          </a:p>
+          <a:p>
+            <a:r>
+              <a:rPr lang="en-US" sz="2000" dirty="0"/>
+              <a:t>Allows users to review visits by others to the different national parks and gain information and ideas for their own visits in the future.</a:t>
             </a:r>
           </a:p>
         </p:txBody>
@@ -4848,7 +4849,7 @@
             <a:pPr lvl="1"/>
             <a:r>
               <a:rPr lang="en-US" dirty="0"/>
-              <a:t>I solved this through heavy use of bootstrap and it’s ability to keep design uniform across the entire website as well as give the user information through convention and the user’s experience of this design across the internet.</a:t>
+              <a:t>I solved this through heavy use of bootstrap and its ability to keep design uniform across the entire website as well as give the user information through convention and the user’s experience of this design across the internet.</a:t>
             </a:r>
           </a:p>
           <a:p>
@@ -4861,15 +4862,7 @@
             <a:pPr lvl="1"/>
             <a:r>
               <a:rPr lang="en-US" dirty="0"/>
-              <a:t>I solved this through use of the </a:t>
-            </a:r>
-            <a:r>
-              <a:rPr lang="en-US" dirty="0" err="1"/>
-              <a:t>Springframework</a:t>
-            </a:r>
-            <a:r>
-              <a:rPr lang="en-US" dirty="0"/>
-              <a:t> security.</a:t>
+              <a:t>I solved this through use of the Springframework security.</a:t>
             </a:r>
           </a:p>
         </p:txBody>

--- a/National Park Visits.pptx
+++ b/National Park Visits.pptx
@@ -9,6 +9,7 @@
     <p:sldId id="257" r:id="rId3"/>
     <p:sldId id="258" r:id="rId4"/>
     <p:sldId id="259" r:id="rId5"/>
+    <p:sldId id="261" r:id="rId6"/>
   </p:sldIdLst>
   <p:sldSz cx="12192000" cy="6858000"/>
   <p:notesSz cx="6858000" cy="9144000"/>
@@ -107,6 +108,11 @@
       </a:defRPr>
     </a:lvl9pPr>
   </p:defaultTextStyle>
+  <p:extLst>
+    <p:ext uri="{EFAFB233-063F-42B5-8137-9DF3F51BA10A}">
+      <p15:sldGuideLst xmlns:p15="http://schemas.microsoft.com/office/powerpoint/2012/main"/>
+    </p:ext>
+  </p:extLst>
 </p:presentation>
 </file>
 
@@ -241,7 +247,7 @@
           <a:p>
             <a:fld id="{BDB96933-B0BC-44F6-A314-F5017B3F4F82}" type="datetimeFigureOut">
               <a:rPr lang="en-US" smtClean="0"/>
-              <a:t>12/15/2022</a:t>
+              <a:t>12/16/2022</a:t>
             </a:fld>
             <a:endParaRPr lang="en-US"/>
           </a:p>
@@ -411,7 +417,7 @@
           <a:p>
             <a:fld id="{BDB96933-B0BC-44F6-A314-F5017B3F4F82}" type="datetimeFigureOut">
               <a:rPr lang="en-US" smtClean="0"/>
-              <a:t>12/15/2022</a:t>
+              <a:t>12/16/2022</a:t>
             </a:fld>
             <a:endParaRPr lang="en-US"/>
           </a:p>
@@ -591,7 +597,7 @@
           <a:p>
             <a:fld id="{BDB96933-B0BC-44F6-A314-F5017B3F4F82}" type="datetimeFigureOut">
               <a:rPr lang="en-US" smtClean="0"/>
-              <a:t>12/15/2022</a:t>
+              <a:t>12/16/2022</a:t>
             </a:fld>
             <a:endParaRPr lang="en-US"/>
           </a:p>
@@ -761,7 +767,7 @@
           <a:p>
             <a:fld id="{BDB96933-B0BC-44F6-A314-F5017B3F4F82}" type="datetimeFigureOut">
               <a:rPr lang="en-US" smtClean="0"/>
-              <a:t>12/15/2022</a:t>
+              <a:t>12/16/2022</a:t>
             </a:fld>
             <a:endParaRPr lang="en-US"/>
           </a:p>
@@ -1007,7 +1013,7 @@
           <a:p>
             <a:fld id="{BDB96933-B0BC-44F6-A314-F5017B3F4F82}" type="datetimeFigureOut">
               <a:rPr lang="en-US" smtClean="0"/>
-              <a:t>12/15/2022</a:t>
+              <a:t>12/16/2022</a:t>
             </a:fld>
             <a:endParaRPr lang="en-US"/>
           </a:p>
@@ -1239,7 +1245,7 @@
           <a:p>
             <a:fld id="{BDB96933-B0BC-44F6-A314-F5017B3F4F82}" type="datetimeFigureOut">
               <a:rPr lang="en-US" smtClean="0"/>
-              <a:t>12/15/2022</a:t>
+              <a:t>12/16/2022</a:t>
             </a:fld>
             <a:endParaRPr lang="en-US"/>
           </a:p>
@@ -1606,7 +1612,7 @@
           <a:p>
             <a:fld id="{BDB96933-B0BC-44F6-A314-F5017B3F4F82}" type="datetimeFigureOut">
               <a:rPr lang="en-US" smtClean="0"/>
-              <a:t>12/15/2022</a:t>
+              <a:t>12/16/2022</a:t>
             </a:fld>
             <a:endParaRPr lang="en-US"/>
           </a:p>
@@ -1724,7 +1730,7 @@
           <a:p>
             <a:fld id="{BDB96933-B0BC-44F6-A314-F5017B3F4F82}" type="datetimeFigureOut">
               <a:rPr lang="en-US" smtClean="0"/>
-              <a:t>12/15/2022</a:t>
+              <a:t>12/16/2022</a:t>
             </a:fld>
             <a:endParaRPr lang="en-US"/>
           </a:p>
@@ -1819,7 +1825,7 @@
           <a:p>
             <a:fld id="{BDB96933-B0BC-44F6-A314-F5017B3F4F82}" type="datetimeFigureOut">
               <a:rPr lang="en-US" smtClean="0"/>
-              <a:t>12/15/2022</a:t>
+              <a:t>12/16/2022</a:t>
             </a:fld>
             <a:endParaRPr lang="en-US"/>
           </a:p>
@@ -2096,7 +2102,7 @@
           <a:p>
             <a:fld id="{BDB96933-B0BC-44F6-A314-F5017B3F4F82}" type="datetimeFigureOut">
               <a:rPr lang="en-US" smtClean="0"/>
-              <a:t>12/15/2022</a:t>
+              <a:t>12/16/2022</a:t>
             </a:fld>
             <a:endParaRPr lang="en-US"/>
           </a:p>
@@ -2353,7 +2359,7 @@
           <a:p>
             <a:fld id="{BDB96933-B0BC-44F6-A314-F5017B3F4F82}" type="datetimeFigureOut">
               <a:rPr lang="en-US" smtClean="0"/>
-              <a:t>12/15/2022</a:t>
+              <a:t>12/16/2022</a:t>
             </a:fld>
             <a:endParaRPr lang="en-US"/>
           </a:p>
@@ -2566,7 +2572,7 @@
           <a:p>
             <a:fld id="{BDB96933-B0BC-44F6-A314-F5017B3F4F82}" type="datetimeFigureOut">
               <a:rPr lang="en-US" smtClean="0"/>
-              <a:t>12/15/2022</a:t>
+              <a:t>12/16/2022</a:t>
             </a:fld>
             <a:endParaRPr lang="en-US"/>
           </a:p>
@@ -4880,6 +4886,460 @@
 </p:sld>
 </file>
 
+<file path=ppt/slides/slide5.xml><?xml version="1.0" encoding="utf-8"?>
+<p:sld xmlns:a="http://schemas.openxmlformats.org/drawingml/2006/main" xmlns:r="http://schemas.openxmlformats.org/officeDocument/2006/relationships" xmlns:p="http://schemas.openxmlformats.org/presentationml/2006/main">
+  <p:cSld>
+    <p:bg>
+      <p:bgPr>
+        <a:solidFill>
+          <a:schemeClr val="bg1"/>
+        </a:solidFill>
+        <a:effectLst/>
+      </p:bgPr>
+    </p:bg>
+    <p:spTree>
+      <p:nvGrpSpPr>
+        <p:cNvPr id="1" name=""/>
+        <p:cNvGrpSpPr/>
+        <p:nvPr/>
+      </p:nvGrpSpPr>
+      <p:grpSpPr>
+        <a:xfrm>
+          <a:off x="0" y="0"/>
+          <a:ext cx="0" cy="0"/>
+          <a:chOff x="0" y="0"/>
+          <a:chExt cx="0" cy="0"/>
+        </a:xfrm>
+      </p:grpSpPr>
+      <p:sp useBgFill="1">
+        <p:nvSpPr>
+          <p:cNvPr id="8" name="Rectangle 7">
+            <a:extLst>
+              <a:ext uri="{FF2B5EF4-FFF2-40B4-BE49-F238E27FC236}">
+                <a16:creationId xmlns:a16="http://schemas.microsoft.com/office/drawing/2014/main" id="{907EF6B7-1338-4443-8C46-6A318D952DFD}"/>
+              </a:ext>
+              <a:ext uri="{C183D7F6-B498-43B3-948B-1728B52AA6E4}">
+                <adec:decorative xmlns:adec="http://schemas.microsoft.com/office/drawing/2017/decorative" val="1"/>
+              </a:ext>
+            </a:extLst>
+          </p:cNvPr>
+          <p:cNvSpPr>
+            <a:spLocks noGrp="1" noRot="1" noChangeAspect="1" noMove="1" noResize="1" noEditPoints="1" noAdjustHandles="1" noChangeArrowheads="1" noChangeShapeType="1" noTextEdit="1"/>
+          </p:cNvSpPr>
+          <p:nvPr>
+            <p:extLst>
+              <p:ext uri="{386F3935-93C4-4BCD-93E2-E3B085C9AB24}">
+                <p16:designElem xmlns:p16="http://schemas.microsoft.com/office/powerpoint/2015/main" val="1"/>
+              </p:ext>
+            </p:extLst>
+          </p:nvPr>
+        </p:nvSpPr>
+        <p:spPr>
+          <a:xfrm>
+            <a:off x="3048" y="0"/>
+            <a:ext cx="12188952" cy="6858000"/>
+          </a:xfrm>
+          <a:prstGeom prst="rect">
+            <a:avLst/>
+          </a:prstGeom>
+          <a:ln>
+            <a:noFill/>
+          </a:ln>
+        </p:spPr>
+        <p:style>
+          <a:lnRef idx="2">
+            <a:schemeClr val="accent1">
+              <a:shade val="50000"/>
+            </a:schemeClr>
+          </a:lnRef>
+          <a:fillRef idx="1">
+            <a:schemeClr val="accent1"/>
+          </a:fillRef>
+          <a:effectRef idx="0">
+            <a:schemeClr val="accent1"/>
+          </a:effectRef>
+          <a:fontRef idx="minor">
+            <a:schemeClr val="lt1"/>
+          </a:fontRef>
+        </p:style>
+        <p:txBody>
+          <a:bodyPr rtlCol="0" anchor="ctr"/>
+          <a:lstStyle/>
+          <a:p>
+            <a:pPr marL="0" marR="0" lvl="0" indent="0" algn="ctr" defTabSz="457200" rtl="0" eaLnBrk="1" fontAlgn="auto" latinLnBrk="0" hangingPunct="1">
+              <a:lnSpc>
+                <a:spcPct val="100000"/>
+              </a:lnSpc>
+              <a:spcBef>
+                <a:spcPts val="0"/>
+              </a:spcBef>
+              <a:spcAft>
+                <a:spcPts val="0"/>
+              </a:spcAft>
+              <a:buClrTx/>
+              <a:buSzTx/>
+              <a:buFontTx/>
+              <a:buNone/>
+              <a:tabLst/>
+              <a:defRPr/>
+            </a:pPr>
+            <a:endParaRPr kumimoji="0" lang="en-US" sz="1800" b="0" i="0" u="none" strike="noStrike" kern="1200" cap="none" spc="0" normalizeH="0" baseline="0" noProof="0">
+              <a:ln>
+                <a:noFill/>
+              </a:ln>
+              <a:solidFill>
+                <a:prstClr val="white"/>
+              </a:solidFill>
+              <a:effectLst/>
+              <a:uLnTx/>
+              <a:uFillTx/>
+              <a:latin typeface="Calibri" panose="020F0502020204030204"/>
+              <a:ea typeface="+mn-ea"/>
+              <a:cs typeface="+mn-cs"/>
+            </a:endParaRPr>
+          </a:p>
+        </p:txBody>
+      </p:sp>
+      <p:sp>
+        <p:nvSpPr>
+          <p:cNvPr id="10" name="Freeform: Shape 9">
+            <a:extLst>
+              <a:ext uri="{FF2B5EF4-FFF2-40B4-BE49-F238E27FC236}">
+                <a16:creationId xmlns:a16="http://schemas.microsoft.com/office/drawing/2014/main" id="{DAAE4CDD-124C-4DCF-9584-B6033B545DD5}"/>
+              </a:ext>
+              <a:ext uri="{C183D7F6-B498-43B3-948B-1728B52AA6E4}">
+                <adec:decorative xmlns:adec="http://schemas.microsoft.com/office/drawing/2017/decorative" val="1"/>
+              </a:ext>
+            </a:extLst>
+          </p:cNvPr>
+          <p:cNvSpPr>
+            <a:spLocks noGrp="1" noRot="1" noChangeAspect="1" noMove="1" noResize="1" noEditPoints="1" noAdjustHandles="1" noChangeArrowheads="1" noChangeShapeType="1" noTextEdit="1"/>
+          </p:cNvSpPr>
+          <p:nvPr>
+            <p:extLst>
+              <p:ext uri="{386F3935-93C4-4BCD-93E2-E3B085C9AB24}">
+                <p16:designElem xmlns:p16="http://schemas.microsoft.com/office/powerpoint/2015/main" val="1"/>
+              </p:ext>
+            </p:extLst>
+          </p:nvPr>
+        </p:nvSpPr>
+        <p:spPr>
+          <a:xfrm>
+            <a:off x="1" y="0"/>
+            <a:ext cx="4167271" cy="6858000"/>
+          </a:xfrm>
+          <a:custGeom>
+            <a:avLst/>
+            <a:gdLst>
+              <a:gd name="connsiteX0" fmla="*/ 0 w 4167271"/>
+              <a:gd name="connsiteY0" fmla="*/ 0 h 6858000"/>
+              <a:gd name="connsiteX1" fmla="*/ 2259550 w 4167271"/>
+              <a:gd name="connsiteY1" fmla="*/ 0 h 6858000"/>
+              <a:gd name="connsiteX2" fmla="*/ 2387803 w 4167271"/>
+              <a:gd name="connsiteY2" fmla="*/ 82222 h 6858000"/>
+              <a:gd name="connsiteX3" fmla="*/ 4167271 w 4167271"/>
+              <a:gd name="connsiteY3" fmla="*/ 3429000 h 6858000"/>
+              <a:gd name="connsiteX4" fmla="*/ 2387803 w 4167271"/>
+              <a:gd name="connsiteY4" fmla="*/ 6775779 h 6858000"/>
+              <a:gd name="connsiteX5" fmla="*/ 2259550 w 4167271"/>
+              <a:gd name="connsiteY5" fmla="*/ 6858000 h 6858000"/>
+              <a:gd name="connsiteX6" fmla="*/ 0 w 4167271"/>
+              <a:gd name="connsiteY6" fmla="*/ 6858000 h 6858000"/>
+            </a:gdLst>
+            <a:ahLst/>
+            <a:cxnLst>
+              <a:cxn ang="0">
+                <a:pos x="connsiteX0" y="connsiteY0"/>
+              </a:cxn>
+              <a:cxn ang="0">
+                <a:pos x="connsiteX1" y="connsiteY1"/>
+              </a:cxn>
+              <a:cxn ang="0">
+                <a:pos x="connsiteX2" y="connsiteY2"/>
+              </a:cxn>
+              <a:cxn ang="0">
+                <a:pos x="connsiteX3" y="connsiteY3"/>
+              </a:cxn>
+              <a:cxn ang="0">
+                <a:pos x="connsiteX4" y="connsiteY4"/>
+              </a:cxn>
+              <a:cxn ang="0">
+                <a:pos x="connsiteX5" y="connsiteY5"/>
+              </a:cxn>
+              <a:cxn ang="0">
+                <a:pos x="connsiteX6" y="connsiteY6"/>
+              </a:cxn>
+            </a:cxnLst>
+            <a:rect l="l" t="t" r="r" b="b"/>
+            <a:pathLst>
+              <a:path w="4167271" h="6858000">
+                <a:moveTo>
+                  <a:pt x="0" y="0"/>
+                </a:moveTo>
+                <a:lnTo>
+                  <a:pt x="2259550" y="0"/>
+                </a:lnTo>
+                <a:lnTo>
+                  <a:pt x="2387803" y="82222"/>
+                </a:lnTo>
+                <a:cubicBezTo>
+                  <a:pt x="3461407" y="807534"/>
+                  <a:pt x="4167271" y="2035835"/>
+                  <a:pt x="4167271" y="3429000"/>
+                </a:cubicBezTo>
+                <a:cubicBezTo>
+                  <a:pt x="4167271" y="4822165"/>
+                  <a:pt x="3461407" y="6050467"/>
+                  <a:pt x="2387803" y="6775779"/>
+                </a:cubicBezTo>
+                <a:lnTo>
+                  <a:pt x="2259550" y="6858000"/>
+                </a:lnTo>
+                <a:lnTo>
+                  <a:pt x="0" y="6858000"/>
+                </a:lnTo>
+                <a:close/>
+              </a:path>
+            </a:pathLst>
+          </a:custGeom>
+          <a:solidFill>
+            <a:schemeClr val="accent2"/>
+          </a:solidFill>
+          <a:ln>
+            <a:noFill/>
+          </a:ln>
+        </p:spPr>
+        <p:style>
+          <a:lnRef idx="2">
+            <a:schemeClr val="accent1">
+              <a:shade val="50000"/>
+            </a:schemeClr>
+          </a:lnRef>
+          <a:fillRef idx="1">
+            <a:schemeClr val="accent1"/>
+          </a:fillRef>
+          <a:effectRef idx="0">
+            <a:schemeClr val="accent1"/>
+          </a:effectRef>
+          <a:fontRef idx="minor">
+            <a:schemeClr val="lt1"/>
+          </a:fontRef>
+        </p:style>
+        <p:txBody>
+          <a:bodyPr rtlCol="0" anchor="ctr"/>
+          <a:lstStyle/>
+          <a:p>
+            <a:pPr marL="0" marR="0" lvl="0" indent="0" algn="ctr" defTabSz="457200" rtl="0" eaLnBrk="1" fontAlgn="auto" latinLnBrk="0" hangingPunct="1">
+              <a:lnSpc>
+                <a:spcPct val="100000"/>
+              </a:lnSpc>
+              <a:spcBef>
+                <a:spcPts val="0"/>
+              </a:spcBef>
+              <a:spcAft>
+                <a:spcPts val="0"/>
+              </a:spcAft>
+              <a:buClrTx/>
+              <a:buSzTx/>
+              <a:buFontTx/>
+              <a:buNone/>
+              <a:tabLst/>
+              <a:defRPr/>
+            </a:pPr>
+            <a:endParaRPr kumimoji="0" lang="en-US" sz="1800" b="0" i="0" u="none" strike="noStrike" kern="1200" cap="none" spc="0" normalizeH="0" baseline="0" noProof="0">
+              <a:ln>
+                <a:noFill/>
+              </a:ln>
+              <a:solidFill>
+                <a:prstClr val="white"/>
+              </a:solidFill>
+              <a:effectLst/>
+              <a:uLnTx/>
+              <a:uFillTx/>
+              <a:latin typeface="Calibri" panose="020F0502020204030204"/>
+              <a:ea typeface="+mn-ea"/>
+              <a:cs typeface="+mn-cs"/>
+            </a:endParaRPr>
+          </a:p>
+        </p:txBody>
+      </p:sp>
+      <p:sp>
+        <p:nvSpPr>
+          <p:cNvPr id="2" name="Title 1">
+            <a:extLst>
+              <a:ext uri="{FF2B5EF4-FFF2-40B4-BE49-F238E27FC236}">
+                <a16:creationId xmlns:a16="http://schemas.microsoft.com/office/drawing/2014/main" id="{68D5985D-37F1-53F5-A178-A449ACAF97FD}"/>
+              </a:ext>
+            </a:extLst>
+          </p:cNvPr>
+          <p:cNvSpPr>
+            <a:spLocks noGrp="1"/>
+          </p:cNvSpPr>
+          <p:nvPr>
+            <p:ph type="title"/>
+          </p:nvPr>
+        </p:nvSpPr>
+        <p:spPr>
+          <a:xfrm>
+            <a:off x="686834" y="1153572"/>
+            <a:ext cx="3200400" cy="4461163"/>
+          </a:xfrm>
+        </p:spPr>
+        <p:txBody>
+          <a:bodyPr>
+            <a:normAutofit/>
+          </a:bodyPr>
+          <a:lstStyle/>
+          <a:p>
+            <a:r>
+              <a:rPr lang="en-US" dirty="0">
+                <a:solidFill>
+                  <a:srgbClr val="FFFFFF"/>
+                </a:solidFill>
+              </a:rPr>
+              <a:t>Database Schema</a:t>
+            </a:r>
+          </a:p>
+        </p:txBody>
+      </p:sp>
+      <p:sp>
+        <p:nvSpPr>
+          <p:cNvPr id="12" name="Arc 11">
+            <a:extLst>
+              <a:ext uri="{FF2B5EF4-FFF2-40B4-BE49-F238E27FC236}">
+                <a16:creationId xmlns:a16="http://schemas.microsoft.com/office/drawing/2014/main" id="{081E4A58-353D-44AE-B2FC-2A74E2E400F7}"/>
+              </a:ext>
+              <a:ext uri="{C183D7F6-B498-43B3-948B-1728B52AA6E4}">
+                <adec:decorative xmlns:adec="http://schemas.microsoft.com/office/drawing/2017/decorative" val="1"/>
+              </a:ext>
+            </a:extLst>
+          </p:cNvPr>
+          <p:cNvSpPr>
+            <a:spLocks noGrp="1" noRot="1" noChangeAspect="1" noMove="1" noResize="1" noEditPoints="1" noAdjustHandles="1" noChangeArrowheads="1" noChangeShapeType="1" noTextEdit="1"/>
+          </p:cNvSpPr>
+          <p:nvPr>
+            <p:extLst>
+              <p:ext uri="{386F3935-93C4-4BCD-93E2-E3B085C9AB24}">
+                <p16:designElem xmlns:p16="http://schemas.microsoft.com/office/powerpoint/2015/main" val="1"/>
+              </p:ext>
+            </p:extLst>
+          </p:nvPr>
+        </p:nvSpPr>
+        <p:spPr>
+          <a:xfrm flipV="1">
+            <a:off x="7550402" y="2455479"/>
+            <a:ext cx="4083433" cy="4083433"/>
+          </a:xfrm>
+          <a:prstGeom prst="arc">
+            <a:avLst/>
+          </a:prstGeom>
+          <a:ln w="127000" cap="rnd">
+            <a:solidFill>
+              <a:schemeClr val="accent4"/>
+            </a:solidFill>
+            <a:prstDash val="dash"/>
+          </a:ln>
+        </p:spPr>
+        <p:style>
+          <a:lnRef idx="1">
+            <a:schemeClr val="accent1"/>
+          </a:lnRef>
+          <a:fillRef idx="0">
+            <a:schemeClr val="accent1"/>
+          </a:fillRef>
+          <a:effectRef idx="0">
+            <a:schemeClr val="accent1"/>
+          </a:effectRef>
+          <a:fontRef idx="minor">
+            <a:schemeClr val="tx1"/>
+          </a:fontRef>
+        </p:style>
+        <p:txBody>
+          <a:bodyPr rtlCol="0" anchor="ctr"/>
+          <a:lstStyle/>
+          <a:p>
+            <a:pPr marL="0" marR="0" lvl="0" indent="0" algn="ctr" defTabSz="457200" rtl="0" eaLnBrk="1" fontAlgn="auto" latinLnBrk="0" hangingPunct="1">
+              <a:lnSpc>
+                <a:spcPct val="100000"/>
+              </a:lnSpc>
+              <a:spcBef>
+                <a:spcPts val="0"/>
+              </a:spcBef>
+              <a:spcAft>
+                <a:spcPts val="0"/>
+              </a:spcAft>
+              <a:buClrTx/>
+              <a:buSzTx/>
+              <a:buFontTx/>
+              <a:buNone/>
+              <a:tabLst/>
+              <a:defRPr/>
+            </a:pPr>
+            <a:endParaRPr kumimoji="0" lang="en-US" sz="1800" b="0" i="0" u="none" strike="noStrike" kern="1200" cap="none" spc="0" normalizeH="0" baseline="0" noProof="0" dirty="0">
+              <a:ln>
+                <a:noFill/>
+              </a:ln>
+              <a:solidFill>
+                <a:prstClr val="black"/>
+              </a:solidFill>
+              <a:effectLst/>
+              <a:uLnTx/>
+              <a:uFillTx/>
+              <a:latin typeface="Calibri" panose="020F0502020204030204"/>
+              <a:ea typeface="+mn-ea"/>
+              <a:cs typeface="+mn-cs"/>
+            </a:endParaRPr>
+          </a:p>
+        </p:txBody>
+      </p:sp>
+      <p:pic>
+        <p:nvPicPr>
+          <p:cNvPr id="5" name="Content Placeholder 4" descr="Graphical user interface, diagram&#10;&#10;Description automatically generated">
+            <a:extLst>
+              <a:ext uri="{FF2B5EF4-FFF2-40B4-BE49-F238E27FC236}">
+                <a16:creationId xmlns:a16="http://schemas.microsoft.com/office/drawing/2014/main" id="{91BD7A57-2363-3C82-B98C-7F7A60FB45E8}"/>
+              </a:ext>
+            </a:extLst>
+          </p:cNvPr>
+          <p:cNvPicPr>
+            <a:picLocks noGrp="1" noChangeAspect="1"/>
+          </p:cNvPicPr>
+          <p:nvPr>
+            <p:ph idx="1"/>
+          </p:nvPr>
+        </p:nvPicPr>
+        <p:blipFill>
+          <a:blip r:embed="rId2">
+            <a:extLst>
+              <a:ext uri="{28A0092B-C50C-407E-A947-70E740481C1C}">
+                <a14:useLocalDpi xmlns:a14="http://schemas.microsoft.com/office/drawing/2010/main" val="0"/>
+              </a:ext>
+            </a:extLst>
+          </a:blip>
+          <a:stretch>
+            <a:fillRect/>
+          </a:stretch>
+        </p:blipFill>
+        <p:spPr>
+          <a:xfrm>
+            <a:off x="4556919" y="1260475"/>
+            <a:ext cx="6686550" cy="4248150"/>
+          </a:xfrm>
+        </p:spPr>
+      </p:pic>
+    </p:spTree>
+    <p:extLst>
+      <p:ext uri="{BB962C8B-B14F-4D97-AF65-F5344CB8AC3E}">
+        <p14:creationId xmlns:p14="http://schemas.microsoft.com/office/powerpoint/2010/main" val="2666646321"/>
+      </p:ext>
+    </p:extLst>
+  </p:cSld>
+  <p:clrMapOvr>
+    <a:masterClrMapping/>
+  </p:clrMapOvr>
+</p:sld>
+</file>
+
 <file path=ppt/theme/theme1.xml><?xml version="1.0" encoding="utf-8"?>
 <a:theme xmlns:a="http://schemas.openxmlformats.org/drawingml/2006/main" name="Office Theme">
   <a:themeElements>

--- a/National Park Visits.pptx
+++ b/National Park Visits.pptx
@@ -4102,7 +4102,15 @@
             </a:r>
             <a:r>
               <a:rPr lang="en-US" dirty="0"/>
-              <a:t> century store ledgers and translated the information into a NoSQL database.</a:t>
+              <a:t> century store ledgers and translated the information into a </a:t>
+            </a:r>
+            <a:r>
+              <a:rPr lang="en-US"/>
+              <a:t>nosql </a:t>
+            </a:r>
+            <a:r>
+              <a:rPr lang="en-US" dirty="0"/>
+              <a:t>database.</a:t>
             </a:r>
           </a:p>
         </p:txBody>
